--- a/inovacao_sustent_empresarial/slides/Aula_Inovação_Incubadora_Acele.pptx
+++ b/inovacao_sustent_empresarial/slides/Aula_Inovação_Incubadora_Acele.pptx
@@ -4720,6 +4720,13 @@
   <p:clrMapOvr>
     <a:masterClrMapping/>
   </p:clrMapOvr>
+  <p:timing>
+    <p:tnLst>
+      <p:par>
+        <p:cTn id="1" dur="indefinite" restart="never" nodeType="tmRoot"/>
+      </p:par>
+    </p:tnLst>
+  </p:timing>
 </p:sld>
 </file>
 
@@ -4821,6 +4828,13 @@
   <p:clrMapOvr>
     <a:masterClrMapping/>
   </p:clrMapOvr>
+  <p:timing>
+    <p:tnLst>
+      <p:par>
+        <p:cTn id="1" dur="indefinite" restart="never" nodeType="tmRoot"/>
+      </p:par>
+    </p:tnLst>
+  </p:timing>
 </p:sld>
 </file>
 
@@ -4898,6 +4912,13 @@
   <p:clrMapOvr>
     <a:masterClrMapping/>
   </p:clrMapOvr>
+  <p:timing>
+    <p:tnLst>
+      <p:par>
+        <p:cTn id="1" dur="indefinite" restart="never" nodeType="tmRoot"/>
+      </p:par>
+    </p:tnLst>
+  </p:timing>
 </p:sld>
 </file>
 
@@ -5047,6 +5068,13 @@
   <p:clrMapOvr>
     <a:masterClrMapping/>
   </p:clrMapOvr>
+  <p:timing>
+    <p:tnLst>
+      <p:par>
+        <p:cTn id="1" dur="indefinite" restart="never" nodeType="tmRoot"/>
+      </p:par>
+    </p:tnLst>
+  </p:timing>
 </p:sld>
 </file>
 
@@ -5439,6 +5467,13 @@
   <p:clrMapOvr>
     <a:masterClrMapping/>
   </p:clrMapOvr>
+  <p:timing>
+    <p:tnLst>
+      <p:par>
+        <p:cTn id="1" dur="indefinite" restart="never" nodeType="tmRoot"/>
+      </p:par>
+    </p:tnLst>
+  </p:timing>
 </p:sld>
 </file>
 
@@ -5552,6 +5587,13 @@
   <p:clrMapOvr>
     <a:masterClrMapping/>
   </p:clrMapOvr>
+  <p:timing>
+    <p:tnLst>
+      <p:par>
+        <p:cTn id="1" dur="indefinite" restart="never" nodeType="tmRoot"/>
+      </p:par>
+    </p:tnLst>
+  </p:timing>
 </p:sld>
 </file>
 
@@ -5648,6 +5690,13 @@
   <p:clrMapOvr>
     <a:masterClrMapping/>
   </p:clrMapOvr>
+  <p:timing>
+    <p:tnLst>
+      <p:par>
+        <p:cTn id="1" dur="indefinite" restart="never" nodeType="tmRoot"/>
+      </p:par>
+    </p:tnLst>
+  </p:timing>
 </p:sld>
 </file>
 
@@ -5789,6 +5838,13 @@
   <p:clrMapOvr>
     <a:masterClrMapping/>
   </p:clrMapOvr>
+  <p:timing>
+    <p:tnLst>
+      <p:par>
+        <p:cTn id="1" dur="indefinite" restart="never" nodeType="tmRoot"/>
+      </p:par>
+    </p:tnLst>
+  </p:timing>
 </p:sld>
 </file>
 
@@ -5970,6 +6026,13 @@
   <p:clrMapOvr>
     <a:masterClrMapping/>
   </p:clrMapOvr>
+  <p:timing>
+    <p:tnLst>
+      <p:par>
+        <p:cTn id="1" dur="indefinite" restart="never" nodeType="tmRoot"/>
+      </p:par>
+    </p:tnLst>
+  </p:timing>
 </p:sld>
 </file>
 
@@ -6088,6 +6151,13 @@
   <p:clrMapOvr>
     <a:masterClrMapping/>
   </p:clrMapOvr>
+  <p:timing>
+    <p:tnLst>
+      <p:par>
+        <p:cTn id="1" dur="indefinite" restart="never" nodeType="tmRoot"/>
+      </p:par>
+    </p:tnLst>
+  </p:timing>
 </p:sld>
 </file>
 
@@ -6184,6 +6254,13 @@
   <p:clrMapOvr>
     <a:masterClrMapping/>
   </p:clrMapOvr>
+  <p:timing>
+    <p:tnLst>
+      <p:par>
+        <p:cTn id="1" dur="indefinite" restart="never" nodeType="tmRoot"/>
+      </p:par>
+    </p:tnLst>
+  </p:timing>
 </p:sld>
 </file>
 
@@ -6519,6 +6596,13 @@
   <p:clrMapOvr>
     <a:masterClrMapping/>
   </p:clrMapOvr>
+  <p:timing>
+    <p:tnLst>
+      <p:par>
+        <p:cTn id="1" dur="indefinite" restart="never" nodeType="tmRoot"/>
+      </p:par>
+    </p:tnLst>
+  </p:timing>
 </p:sld>
 </file>
 
@@ -6615,6 +6699,13 @@
   <p:clrMapOvr>
     <a:masterClrMapping/>
   </p:clrMapOvr>
+  <p:timing>
+    <p:tnLst>
+      <p:par>
+        <p:cTn id="1" dur="indefinite" restart="never" nodeType="tmRoot"/>
+      </p:par>
+    </p:tnLst>
+  </p:timing>
 </p:sld>
 </file>
 
@@ -6711,6 +6802,13 @@
   <p:clrMapOvr>
     <a:masterClrMapping/>
   </p:clrMapOvr>
+  <p:timing>
+    <p:tnLst>
+      <p:par>
+        <p:cTn id="1" dur="indefinite" restart="never" nodeType="tmRoot"/>
+      </p:par>
+    </p:tnLst>
+  </p:timing>
 </p:sld>
 </file>
 
@@ -7017,6 +7115,13 @@
   <p:clrMapOvr>
     <a:masterClrMapping/>
   </p:clrMapOvr>
+  <p:timing>
+    <p:tnLst>
+      <p:par>
+        <p:cTn id="1" dur="indefinite" restart="never" nodeType="tmRoot"/>
+      </p:par>
+    </p:tnLst>
+  </p:timing>
 </p:sld>
 </file>
 
@@ -7259,6 +7364,13 @@
   <p:clrMapOvr>
     <a:masterClrMapping/>
   </p:clrMapOvr>
+  <p:timing>
+    <p:tnLst>
+      <p:par>
+        <p:cTn id="1" dur="indefinite" restart="never" nodeType="tmRoot"/>
+      </p:par>
+    </p:tnLst>
+  </p:timing>
 </p:sld>
 </file>
 
@@ -7392,6 +7504,13 @@
   <p:clrMapOvr>
     <a:masterClrMapping/>
   </p:clrMapOvr>
+  <p:timing>
+    <p:tnLst>
+      <p:par>
+        <p:cTn id="1" dur="indefinite" restart="never" nodeType="tmRoot"/>
+      </p:par>
+    </p:tnLst>
+  </p:timing>
 </p:sld>
 </file>
 
@@ -7699,6 +7818,13 @@
   <p:clrMapOvr>
     <a:masterClrMapping/>
   </p:clrMapOvr>
+  <p:timing>
+    <p:tnLst>
+      <p:par>
+        <p:cTn id="1" dur="indefinite" restart="never" nodeType="tmRoot"/>
+      </p:par>
+    </p:tnLst>
+  </p:timing>
 </p:sld>
 </file>
 
@@ -7923,6 +8049,13 @@
   <p:clrMapOvr>
     <a:masterClrMapping/>
   </p:clrMapOvr>
+  <p:timing>
+    <p:tnLst>
+      <p:par>
+        <p:cTn id="1" dur="indefinite" restart="never" nodeType="tmRoot"/>
+      </p:par>
+    </p:tnLst>
+  </p:timing>
 </p:sld>
 </file>
 
@@ -8019,6 +8152,13 @@
   <p:clrMapOvr>
     <a:masterClrMapping/>
   </p:clrMapOvr>
+  <p:timing>
+    <p:tnLst>
+      <p:par>
+        <p:cTn id="1" dur="indefinite" restart="never" nodeType="tmRoot"/>
+      </p:par>
+    </p:tnLst>
+  </p:timing>
 </p:sld>
 </file>
 
@@ -8336,6 +8476,13 @@
   <p:clrMapOvr>
     <a:masterClrMapping/>
   </p:clrMapOvr>
+  <p:timing>
+    <p:tnLst>
+      <p:par>
+        <p:cTn id="1" dur="indefinite" restart="never" nodeType="tmRoot"/>
+      </p:par>
+    </p:tnLst>
+  </p:timing>
 </p:sld>
 </file>
 
@@ -8617,6 +8764,13 @@
   <p:clrMapOvr>
     <a:masterClrMapping/>
   </p:clrMapOvr>
+  <p:timing>
+    <p:tnLst>
+      <p:par>
+        <p:cTn id="1" dur="indefinite" restart="never" nodeType="tmRoot"/>
+      </p:par>
+    </p:tnLst>
+  </p:timing>
 </p:sld>
 </file>
 
@@ -8888,6 +9042,13 @@
   <p:clrMapOvr>
     <a:masterClrMapping/>
   </p:clrMapOvr>
+  <p:timing>
+    <p:tnLst>
+      <p:par>
+        <p:cTn id="1" dur="indefinite" restart="never" nodeType="tmRoot"/>
+      </p:par>
+    </p:tnLst>
+  </p:timing>
 </p:sld>
 </file>
 
@@ -9006,6 +9167,13 @@
   <p:clrMapOvr>
     <a:masterClrMapping/>
   </p:clrMapOvr>
+  <p:timing>
+    <p:tnLst>
+      <p:par>
+        <p:cTn id="1" dur="indefinite" restart="never" nodeType="tmRoot"/>
+      </p:par>
+    </p:tnLst>
+  </p:timing>
 </p:sld>
 </file>
 
@@ -9148,6 +9316,13 @@
   <p:clrMapOvr>
     <a:masterClrMapping/>
   </p:clrMapOvr>
+  <p:timing>
+    <p:tnLst>
+      <p:par>
+        <p:cTn id="1" dur="indefinite" restart="never" nodeType="tmRoot"/>
+      </p:par>
+    </p:tnLst>
+  </p:timing>
 </p:sld>
 </file>
 
@@ -9261,6 +9436,13 @@
   <p:clrMapOvr>
     <a:masterClrMapping/>
   </p:clrMapOvr>
+  <p:timing>
+    <p:tnLst>
+      <p:par>
+        <p:cTn id="1" dur="indefinite" restart="never" nodeType="tmRoot"/>
+      </p:par>
+    </p:tnLst>
+  </p:timing>
 </p:sld>
 </file>
 
